--- a/FinalPresentation.pptx
+++ b/FinalPresentation.pptx
@@ -6030,7 +6030,36 @@
             </a:r>
             <a:r>
               <a:rPr lang="en-US" dirty="0" smtClean="0"/>
-              <a:t>app a convenient way of knowing what was happening in town. </a:t>
+              <a:t>app a convenient way of knowing what was happening in town</a:t>
+            </a:r>
+            <a:r>
+              <a:rPr lang="en-US" dirty="0" smtClean="0"/>
+              <a:t>.</a:t>
+            </a:r>
+          </a:p>
+          <a:p>
+            <a:endParaRPr lang="en-US" dirty="0"/>
+          </a:p>
+          <a:p>
+            <a:r>
+              <a:rPr lang="en-US" dirty="0" smtClean="0"/>
+              <a:t>Our main site is located at </a:t>
+            </a:r>
+            <a:r>
+              <a:rPr lang="en-US" dirty="0" err="1" smtClean="0"/>
+              <a:t>promopass.root.sx</a:t>
+            </a:r>
+            <a:r>
+              <a:rPr lang="en-US" dirty="0" smtClean="0"/>
+              <a:t>, where businesses can register their gimbal device and create </a:t>
+            </a:r>
+            <a:r>
+              <a:rPr lang="en-US" smtClean="0"/>
+              <a:t>their personal ads. </a:t>
+            </a:r>
+            <a:r>
+              <a:rPr lang="en-US" smtClean="0"/>
+              <a:t> </a:t>
             </a:r>
             <a:endParaRPr lang="en-US" dirty="0"/>
           </a:p>

--- a/FinalPresentation.pptx
+++ b/FinalPresentation.pptx
@@ -6030,11 +6030,7 @@
             </a:r>
             <a:r>
               <a:rPr lang="en-US" dirty="0" smtClean="0"/>
-              <a:t>app a convenient way of knowing what was happening in town</a:t>
-            </a:r>
-            <a:r>
-              <a:rPr lang="en-US" dirty="0" smtClean="0"/>
-              <a:t>.</a:t>
+              <a:t>app a convenient way of knowing what was happening in town.</a:t>
             </a:r>
           </a:p>
           <a:p>
@@ -6046,20 +6042,18 @@
               <a:t>Our main site is located at </a:t>
             </a:r>
             <a:r>
-              <a:rPr lang="en-US" dirty="0" err="1" smtClean="0"/>
-              <a:t>promopass.root.sx</a:t>
+              <a:rPr lang="en-US" dirty="0" smtClean="0">
+                <a:hlinkClick r:id="rId2"/>
+              </a:rPr>
+              <a:t>http://promopass.root.sx</a:t>
             </a:r>
             <a:r>
               <a:rPr lang="en-US" dirty="0" smtClean="0"/>
-              <a:t>, where businesses can register their gimbal device and create </a:t>
-            </a:r>
-            <a:r>
-              <a:rPr lang="en-US" smtClean="0"/>
-              <a:t>their personal ads. </a:t>
-            </a:r>
-            <a:r>
-              <a:rPr lang="en-US" smtClean="0"/>
-              <a:t> </a:t>
+              <a:t>, </a:t>
+            </a:r>
+            <a:r>
+              <a:rPr lang="en-US" dirty="0" smtClean="0"/>
+              <a:t>where businesses can register their gimbal device and create their personal ads.  </a:t>
             </a:r>
             <a:endParaRPr lang="en-US" dirty="0"/>
           </a:p>
@@ -6305,8 +6299,20 @@
             <a:pPr lvl="1"/>
             <a:r>
               <a:rPr lang="en-US" dirty="0" smtClean="0"/>
-              <a:t>Multiple templates.</a:t>
-            </a:r>
+              <a:t>Multiple </a:t>
+            </a:r>
+            <a:r>
+              <a:rPr lang="en-US" dirty="0" smtClean="0"/>
+              <a:t>templates</a:t>
+            </a:r>
+          </a:p>
+          <a:p>
+            <a:pPr lvl="1"/>
+            <a:r>
+              <a:rPr lang="en-US" dirty="0" smtClean="0"/>
+              <a:t>Report a Problem – Web &amp; App side</a:t>
+            </a:r>
+            <a:endParaRPr lang="en-US" dirty="0" smtClean="0"/>
           </a:p>
           <a:p>
             <a:pPr lvl="1"/>
@@ -6420,13 +6426,9 @@
             </a:pPr>
             <a:r>
               <a:rPr lang="en-US" dirty="0" smtClean="0"/>
-              <a:t> </a:t>
-            </a:r>
-            <a:r>
-              <a:rPr lang="en-US" dirty="0" err="1" smtClean="0"/>
-              <a:t>OkHTTP</a:t>
-            </a:r>
-            <a:endParaRPr lang="en-US" dirty="0" smtClean="0"/>
+              <a:t>UserApp </a:t>
+            </a:r>
+            <a:endParaRPr lang="en-US" dirty="0"/>
           </a:p>
           <a:p>
             <a:pPr lvl="1">
@@ -6435,10 +6437,14 @@
               </a:spcBef>
             </a:pPr>
             <a:r>
-              <a:rPr lang="en-US" smtClean="0"/>
-              <a:t>MySQL database</a:t>
-            </a:r>
-            <a:endParaRPr lang="en-US" dirty="0"/>
+              <a:rPr lang="en-US" dirty="0"/>
+              <a:t>Slim </a:t>
+            </a:r>
+            <a:r>
+              <a:rPr lang="en-US" dirty="0" smtClean="0"/>
+              <a:t>Framework</a:t>
+            </a:r>
+            <a:endParaRPr lang="en-US" dirty="0" smtClean="0"/>
           </a:p>
           <a:p>
             <a:pPr lvl="1">
@@ -6448,8 +6454,13 @@
             </a:pPr>
             <a:r>
               <a:rPr lang="en-US" dirty="0"/>
-              <a:t>PHP</a:t>
-            </a:r>
+              <a:t>MySQL </a:t>
+            </a:r>
+            <a:r>
+              <a:rPr lang="en-US" dirty="0" smtClean="0"/>
+              <a:t>database</a:t>
+            </a:r>
+            <a:endParaRPr lang="en-US" dirty="0"/>
           </a:p>
           <a:p>
             <a:pPr lvl="1">
@@ -6459,9 +6470,8 @@
             </a:pPr>
             <a:r>
               <a:rPr lang="en-US" dirty="0" smtClean="0"/>
-              <a:t>Slim Framework</a:t>
-            </a:r>
-            <a:endParaRPr lang="en-US" dirty="0"/>
+              <a:t>PHP</a:t>
+            </a:r>
           </a:p>
           <a:p>
             <a:pPr lvl="1">
@@ -6471,7 +6481,7 @@
             </a:pPr>
             <a:r>
               <a:rPr lang="en-US" dirty="0" smtClean="0"/>
-              <a:t>Notification Listener</a:t>
+              <a:t>OkHTTP</a:t>
             </a:r>
             <a:endParaRPr lang="en-US" dirty="0"/>
           </a:p>
@@ -6483,8 +6493,13 @@
             </a:pPr>
             <a:r>
               <a:rPr lang="en-US" dirty="0"/>
-              <a:t>Service</a:t>
-            </a:r>
+              <a:t>Notification </a:t>
+            </a:r>
+            <a:r>
+              <a:rPr lang="en-US" dirty="0" smtClean="0"/>
+              <a:t>Listener</a:t>
+            </a:r>
+            <a:endParaRPr lang="en-US" dirty="0"/>
           </a:p>
           <a:p>
             <a:pPr lvl="1">
@@ -6493,10 +6508,9 @@
               </a:spcBef>
             </a:pPr>
             <a:r>
-              <a:rPr lang="en-US" dirty="0" err="1"/>
-              <a:t>AsyncTask</a:t>
-            </a:r>
-            <a:endParaRPr lang="en-US" dirty="0"/>
+              <a:rPr lang="en-US" dirty="0" smtClean="0"/>
+              <a:t>Service</a:t>
+            </a:r>
           </a:p>
           <a:p>
             <a:pPr lvl="1">
@@ -6505,12 +6519,8 @@
               </a:spcBef>
             </a:pPr>
             <a:r>
-              <a:rPr lang="en-US" dirty="0" err="1" smtClean="0"/>
-              <a:t>Listview</a:t>
-            </a:r>
-            <a:r>
               <a:rPr lang="en-US" dirty="0" smtClean="0"/>
-              <a:t> Adapter</a:t>
+              <a:t>AsyncTask</a:t>
             </a:r>
             <a:endParaRPr lang="en-US" dirty="0"/>
           </a:p>
@@ -6521,9 +6531,21 @@
               </a:spcBef>
             </a:pPr>
             <a:r>
-              <a:rPr lang="en-US" dirty="0" err="1" smtClean="0"/>
-              <a:t>UserApp</a:t>
-            </a:r>
+              <a:rPr lang="en-US" smtClean="0"/>
+              <a:t>Listview </a:t>
+            </a:r>
+            <a:r>
+              <a:rPr lang="en-US" smtClean="0"/>
+              <a:t>Adapter</a:t>
+            </a:r>
+            <a:endParaRPr lang="en-US" dirty="0"/>
+          </a:p>
+          <a:p>
+            <a:pPr lvl="1">
+              <a:spcBef>
+                <a:spcPts val="600"/>
+              </a:spcBef>
+            </a:pPr>
             <a:endParaRPr lang="en-US" dirty="0"/>
           </a:p>
         </p:txBody>
